--- a/Final_Report/PowerPoint_Summary/Project_Summary.pptx
+++ b/Final_Report/PowerPoint_Summary/Project_Summary.pptx
@@ -10,8 +10,8 @@
     <p:sldId id="258" r:id="rId4"/>
     <p:sldId id="259" r:id="rId5"/>
     <p:sldId id="260" r:id="rId6"/>
-    <p:sldId id="261" r:id="rId7"/>
-    <p:sldId id="262" r:id="rId8"/>
+    <p:sldId id="262" r:id="rId7"/>
+    <p:sldId id="261" r:id="rId8"/>
   </p:sldIdLst>
   <p:sldSz cx="12192000" cy="6858000"/>
   <p:notesSz cx="6858000" cy="9144000"/>
@@ -4256,7 +4256,7 @@
           <p:cNvPr id="2" name="Title 1">
             <a:extLst>
               <a:ext uri="{FF2B5EF4-FFF2-40B4-BE49-F238E27FC236}">
-                <a16:creationId xmlns:a16="http://schemas.microsoft.com/office/drawing/2014/main" id="{C0477F60-9E96-D773-3FF9-FC1E037FD582}"/>
+                <a16:creationId xmlns:a16="http://schemas.microsoft.com/office/drawing/2014/main" id="{A23A39AE-9923-BFA6-597B-E7A1B8C86537}"/>
               </a:ext>
             </a:extLst>
           </p:cNvPr>
@@ -4267,544 +4267,87 @@
             <p:ph type="title"/>
           </p:nvPr>
         </p:nvSpPr>
+        <p:spPr>
+          <a:xfrm>
+            <a:off x="838200" y="377000"/>
+            <a:ext cx="10515600" cy="1325563"/>
+          </a:xfrm>
+        </p:spPr>
+        <p:txBody>
+          <a:bodyPr/>
+          <a:lstStyle/>
+          <a:p>
+            <a:r>
+              <a:rPr lang="en-US" dirty="0"/>
+              <a:t>Git Hub Repository</a:t>
+            </a:r>
+          </a:p>
+        </p:txBody>
+      </p:sp>
+      <p:sp>
+        <p:nvSpPr>
+          <p:cNvPr id="3" name="Content Placeholder 2">
+            <a:extLst>
+              <a:ext uri="{FF2B5EF4-FFF2-40B4-BE49-F238E27FC236}">
+                <a16:creationId xmlns:a16="http://schemas.microsoft.com/office/drawing/2014/main" id="{EE1A56D1-20C8-6FAD-B828-A881EC92B5C2}"/>
+              </a:ext>
+            </a:extLst>
+          </p:cNvPr>
+          <p:cNvSpPr>
+            <a:spLocks noGrp="1"/>
+          </p:cNvSpPr>
+          <p:nvPr>
+            <p:ph idx="1"/>
+          </p:nvPr>
+        </p:nvSpPr>
         <p:spPr/>
         <p:txBody>
           <a:bodyPr/>
           <a:lstStyle/>
           <a:p>
             <a:r>
-              <a:rPr lang="en-US" b="1" dirty="0"/>
-              <a:t>References</a:t>
-            </a:r>
-          </a:p>
-        </p:txBody>
-      </p:sp>
-      <p:sp>
-        <p:nvSpPr>
-          <p:cNvPr id="3" name="Content Placeholder 2">
-            <a:extLst>
-              <a:ext uri="{FF2B5EF4-FFF2-40B4-BE49-F238E27FC236}">
-                <a16:creationId xmlns:a16="http://schemas.microsoft.com/office/drawing/2014/main" id="{372AE2AC-E2B0-06CB-4F06-EE7CC4B545AF}"/>
-              </a:ext>
-            </a:extLst>
-          </p:cNvPr>
-          <p:cNvSpPr>
-            <a:spLocks noGrp="1"/>
-          </p:cNvSpPr>
-          <p:nvPr>
-            <p:ph idx="1"/>
-          </p:nvPr>
-        </p:nvSpPr>
-        <p:spPr/>
-        <p:txBody>
-          <a:bodyPr>
-            <a:normAutofit/>
-          </a:bodyPr>
-          <a:lstStyle/>
-          <a:p>
-            <a:pPr marL="0" marR="0" indent="0">
-              <a:spcBef>
-                <a:spcPts val="0"/>
-              </a:spcBef>
-              <a:spcAft>
-                <a:spcPts val="0"/>
-              </a:spcAft>
-              <a:buNone/>
-            </a:pPr>
-            <a:r>
-              <a:rPr lang="en-US" sz="1500" dirty="0">
-                <a:effectLst/>
-                <a:latin typeface="Carlito"/>
-                <a:ea typeface="Arial" panose="020B0604020202020204" pitchFamily="34" charset="0"/>
-              </a:rPr>
-              <a:t> </a:t>
-            </a:r>
-            <a:endParaRPr lang="en-US" sz="1500" dirty="0">
-              <a:latin typeface="Arial" panose="020B0604020202020204" pitchFamily="34" charset="0"/>
-              <a:ea typeface="Arial" panose="020B0604020202020204" pitchFamily="34" charset="0"/>
-            </a:endParaRPr>
-          </a:p>
-          <a:p>
-            <a:pPr marL="0" marR="0" indent="0">
-              <a:spcBef>
-                <a:spcPts val="0"/>
-              </a:spcBef>
-              <a:spcAft>
-                <a:spcPts val="0"/>
-              </a:spcAft>
-              <a:buNone/>
-            </a:pPr>
-            <a:r>
-              <a:rPr lang="en-US" sz="1500" dirty="0">
-                <a:latin typeface="Arial" panose="020B0604020202020204" pitchFamily="34" charset="0"/>
-                <a:ea typeface="Arial" panose="020B0604020202020204" pitchFamily="34" charset="0"/>
-              </a:rPr>
-              <a:t>      </a:t>
-            </a:r>
-            <a:r>
-              <a:rPr lang="en-US" sz="1500" dirty="0" err="1">
-                <a:effectLst/>
-                <a:latin typeface="Carlito"/>
-                <a:ea typeface="Arial" panose="020B0604020202020204" pitchFamily="34" charset="0"/>
-              </a:rPr>
-              <a:t>Silberschatz</a:t>
-            </a:r>
-            <a:r>
-              <a:rPr lang="en-US" sz="1500" dirty="0">
-                <a:effectLst/>
-                <a:latin typeface="Carlito"/>
-                <a:ea typeface="Arial" panose="020B0604020202020204" pitchFamily="34" charset="0"/>
-              </a:rPr>
-              <a:t>, Abraham et al., </a:t>
-            </a:r>
-            <a:r>
-              <a:rPr lang="en-US" sz="1500" i="1" dirty="0">
-                <a:effectLst/>
-                <a:latin typeface="Carlito"/>
-                <a:ea typeface="Arial" panose="020B0604020202020204" pitchFamily="34" charset="0"/>
-              </a:rPr>
-              <a:t>Database Systems Concepts. </a:t>
-            </a:r>
-            <a:r>
-              <a:rPr lang="en-US" sz="1500" dirty="0">
-                <a:effectLst/>
-                <a:latin typeface="Carlito"/>
-                <a:ea typeface="Arial" panose="020B0604020202020204" pitchFamily="34" charset="0"/>
-              </a:rPr>
-              <a:t>Seventh Ed., McGraw-Hill Education., 2020</a:t>
-            </a:r>
-            <a:endParaRPr lang="en-US" sz="1500" dirty="0">
-              <a:effectLst/>
-              <a:latin typeface="Arial" panose="020B0604020202020204" pitchFamily="34" charset="0"/>
-              <a:ea typeface="Arial" panose="020B0604020202020204" pitchFamily="34" charset="0"/>
-            </a:endParaRPr>
-          </a:p>
-          <a:p>
-            <a:pPr marL="0" marR="0" indent="0">
-              <a:spcBef>
-                <a:spcPts val="40"/>
-              </a:spcBef>
-              <a:spcAft>
-                <a:spcPts val="0"/>
-              </a:spcAft>
-              <a:buNone/>
-            </a:pPr>
-            <a:r>
-              <a:rPr lang="en-US" sz="1500" dirty="0">
-                <a:effectLst/>
-                <a:latin typeface="Carlito"/>
-                <a:ea typeface="Arial" panose="020B0604020202020204" pitchFamily="34" charset="0"/>
-              </a:rPr>
-              <a:t> </a:t>
-            </a:r>
-            <a:endParaRPr lang="en-US" sz="1500" dirty="0">
-              <a:effectLst/>
-              <a:latin typeface="Arial" panose="020B0604020202020204" pitchFamily="34" charset="0"/>
-              <a:ea typeface="Arial" panose="020B0604020202020204" pitchFamily="34" charset="0"/>
-            </a:endParaRPr>
-          </a:p>
-          <a:p>
-            <a:pPr marL="330200" marR="0" indent="0">
-              <a:spcBef>
-                <a:spcPts val="0"/>
-              </a:spcBef>
-              <a:spcAft>
-                <a:spcPts val="0"/>
-              </a:spcAft>
-              <a:buNone/>
-            </a:pPr>
-            <a:endParaRPr lang="en-US" sz="1500" dirty="0">
-              <a:effectLst/>
-              <a:latin typeface="Carlito"/>
-              <a:ea typeface="Arial" panose="020B0604020202020204" pitchFamily="34" charset="0"/>
-            </a:endParaRPr>
-          </a:p>
-          <a:p>
-            <a:pPr marL="330200" marR="0" indent="0">
-              <a:spcBef>
-                <a:spcPts val="0"/>
-              </a:spcBef>
-              <a:spcAft>
-                <a:spcPts val="0"/>
-              </a:spcAft>
-              <a:buNone/>
-            </a:pPr>
-            <a:r>
-              <a:rPr lang="en-US" sz="1500" dirty="0">
-                <a:effectLst/>
-                <a:latin typeface="Carlito"/>
-                <a:ea typeface="Arial" panose="020B0604020202020204" pitchFamily="34" charset="0"/>
-              </a:rPr>
-              <a:t>Harrison, Matt. </a:t>
-            </a:r>
-            <a:r>
-              <a:rPr lang="en-US" sz="1500" i="1" dirty="0">
-                <a:effectLst/>
-                <a:latin typeface="Carlito"/>
-                <a:ea typeface="Arial" panose="020B0604020202020204" pitchFamily="34" charset="0"/>
-              </a:rPr>
-              <a:t>Machine Learning Pocket Reference Working With Structured Data in Python</a:t>
-            </a:r>
-            <a:r>
-              <a:rPr lang="en-US" sz="1500" dirty="0">
-                <a:effectLst/>
-                <a:latin typeface="Carlito"/>
-                <a:ea typeface="Arial" panose="020B0604020202020204" pitchFamily="34" charset="0"/>
-              </a:rPr>
-              <a:t>,</a:t>
-            </a:r>
-            <a:endParaRPr lang="en-US" sz="1500" dirty="0">
-              <a:effectLst/>
-              <a:latin typeface="Arial" panose="020B0604020202020204" pitchFamily="34" charset="0"/>
-              <a:ea typeface="Arial" panose="020B0604020202020204" pitchFamily="34" charset="0"/>
-            </a:endParaRPr>
-          </a:p>
-          <a:p>
-            <a:pPr marL="330200" marR="0" indent="0">
-              <a:spcBef>
-                <a:spcPts val="110"/>
-              </a:spcBef>
-              <a:spcAft>
-                <a:spcPts val="0"/>
-              </a:spcAft>
-              <a:buNone/>
-            </a:pPr>
-            <a:r>
-              <a:rPr lang="en-US" sz="1500" dirty="0" err="1">
-                <a:effectLst/>
-                <a:latin typeface="Carlito"/>
-                <a:ea typeface="Carlito"/>
-                <a:cs typeface="Carlito"/>
-              </a:rPr>
-              <a:t>O’Reily</a:t>
-            </a:r>
-            <a:r>
-              <a:rPr lang="en-US" sz="1500" dirty="0">
-                <a:effectLst/>
-                <a:latin typeface="Carlito"/>
-                <a:ea typeface="Carlito"/>
-                <a:cs typeface="Carlito"/>
-              </a:rPr>
-              <a:t> Media, Inc., 2019</a:t>
-            </a:r>
-          </a:p>
-          <a:p>
-            <a:pPr marL="0" marR="0" indent="0">
-              <a:spcBef>
-                <a:spcPts val="0"/>
-              </a:spcBef>
-              <a:spcAft>
-                <a:spcPts val="0"/>
-              </a:spcAft>
-              <a:buNone/>
-            </a:pPr>
-            <a:r>
-              <a:rPr lang="en-US" sz="1500" dirty="0">
-                <a:effectLst/>
-                <a:latin typeface="Carlito"/>
-                <a:ea typeface="Arial" panose="020B0604020202020204" pitchFamily="34" charset="0"/>
-              </a:rPr>
-              <a:t> </a:t>
-            </a:r>
-            <a:endParaRPr lang="en-US" sz="1500" dirty="0">
-              <a:effectLst/>
-              <a:latin typeface="Arial" panose="020B0604020202020204" pitchFamily="34" charset="0"/>
-              <a:ea typeface="Arial" panose="020B0604020202020204" pitchFamily="34" charset="0"/>
-            </a:endParaRPr>
-          </a:p>
-          <a:p>
-            <a:pPr marL="0" marR="0" indent="0">
-              <a:spcBef>
-                <a:spcPts val="0"/>
-              </a:spcBef>
-              <a:spcAft>
-                <a:spcPts val="0"/>
-              </a:spcAft>
-              <a:buNone/>
-            </a:pPr>
-            <a:r>
-              <a:rPr lang="en-US" sz="1500" dirty="0">
-                <a:effectLst/>
-                <a:latin typeface="Carlito"/>
-                <a:ea typeface="Arial" panose="020B0604020202020204" pitchFamily="34" charset="0"/>
-              </a:rPr>
-              <a:t> </a:t>
-            </a:r>
-            <a:endParaRPr lang="en-US" sz="1500" dirty="0">
-              <a:effectLst/>
-              <a:latin typeface="Arial" panose="020B0604020202020204" pitchFamily="34" charset="0"/>
-              <a:ea typeface="Arial" panose="020B0604020202020204" pitchFamily="34" charset="0"/>
-            </a:endParaRPr>
-          </a:p>
-          <a:p>
-            <a:pPr marL="330200" marR="727075" indent="0">
-              <a:lnSpc>
-                <a:spcPct val="107000"/>
-              </a:lnSpc>
-              <a:spcBef>
-                <a:spcPts val="0"/>
-              </a:spcBef>
-              <a:spcAft>
-                <a:spcPts val="0"/>
-              </a:spcAft>
-              <a:buNone/>
-            </a:pPr>
-            <a:r>
-              <a:rPr lang="en-US" sz="1500" dirty="0" err="1">
-                <a:effectLst/>
-                <a:latin typeface="Carlito"/>
-                <a:ea typeface="Arial" panose="020B0604020202020204" pitchFamily="34" charset="0"/>
-              </a:rPr>
-              <a:t>Geron</a:t>
-            </a:r>
-            <a:r>
-              <a:rPr lang="en-US" sz="1500" dirty="0">
-                <a:effectLst/>
-                <a:latin typeface="Carlito"/>
-                <a:ea typeface="Arial" panose="020B0604020202020204" pitchFamily="34" charset="0"/>
-              </a:rPr>
-              <a:t>, </a:t>
-            </a:r>
-            <a:r>
-              <a:rPr lang="en-US" sz="1500" dirty="0" err="1">
-                <a:effectLst/>
-                <a:latin typeface="Carlito"/>
-                <a:ea typeface="Arial" panose="020B0604020202020204" pitchFamily="34" charset="0"/>
-              </a:rPr>
-              <a:t>Aurelien</a:t>
-            </a:r>
-            <a:r>
-              <a:rPr lang="en-US" sz="1500" dirty="0">
-                <a:effectLst/>
-                <a:latin typeface="Carlito"/>
-                <a:ea typeface="Arial" panose="020B0604020202020204" pitchFamily="34" charset="0"/>
-              </a:rPr>
-              <a:t>. </a:t>
-            </a:r>
-            <a:r>
-              <a:rPr lang="en-US" sz="1500" i="1" dirty="0">
-                <a:effectLst/>
-                <a:latin typeface="Carlito"/>
-                <a:ea typeface="Arial" panose="020B0604020202020204" pitchFamily="34" charset="0"/>
-              </a:rPr>
-              <a:t>Hands-on Machine Learning with Scikit-Learn, </a:t>
-            </a:r>
-            <a:r>
-              <a:rPr lang="en-US" sz="1500" i="1" dirty="0" err="1">
-                <a:effectLst/>
-                <a:latin typeface="Carlito"/>
-                <a:ea typeface="Arial" panose="020B0604020202020204" pitchFamily="34" charset="0"/>
-              </a:rPr>
-              <a:t>Keras</a:t>
-            </a:r>
-            <a:r>
-              <a:rPr lang="en-US" sz="1500" i="1" dirty="0">
-                <a:effectLst/>
-                <a:latin typeface="Carlito"/>
-                <a:ea typeface="Arial" panose="020B0604020202020204" pitchFamily="34" charset="0"/>
-              </a:rPr>
-              <a:t> &amp; TensorFlow Concepts, Tools, and Techniques to Build Intelligent Systems. </a:t>
-            </a:r>
-            <a:r>
-              <a:rPr lang="en-US" sz="1500" dirty="0">
-                <a:effectLst/>
-                <a:latin typeface="Carlito"/>
-                <a:ea typeface="Arial" panose="020B0604020202020204" pitchFamily="34" charset="0"/>
-              </a:rPr>
-              <a:t>Third ed., </a:t>
-            </a:r>
-            <a:r>
-              <a:rPr lang="en-US" sz="1500" dirty="0" err="1">
-                <a:effectLst/>
-                <a:latin typeface="Carlito"/>
-                <a:ea typeface="Arial" panose="020B0604020202020204" pitchFamily="34" charset="0"/>
-              </a:rPr>
-              <a:t>O’Reily</a:t>
-            </a:r>
-            <a:r>
-              <a:rPr lang="en-US" sz="1500" dirty="0">
-                <a:effectLst/>
-                <a:latin typeface="Carlito"/>
-                <a:ea typeface="Arial" panose="020B0604020202020204" pitchFamily="34" charset="0"/>
-              </a:rPr>
-              <a:t> Media, Inc., 2022</a:t>
-            </a:r>
-            <a:endParaRPr lang="en-US" sz="1500" dirty="0">
-              <a:effectLst/>
-              <a:latin typeface="Arial" panose="020B0604020202020204" pitchFamily="34" charset="0"/>
-              <a:ea typeface="Arial" panose="020B0604020202020204" pitchFamily="34" charset="0"/>
-            </a:endParaRPr>
-          </a:p>
-          <a:p>
-            <a:pPr marL="0" marR="0" indent="0">
-              <a:spcBef>
-                <a:spcPts val="0"/>
-              </a:spcBef>
-              <a:spcAft>
-                <a:spcPts val="0"/>
-              </a:spcAft>
-              <a:buNone/>
-            </a:pPr>
-            <a:r>
-              <a:rPr lang="en-US" sz="1500" dirty="0">
-                <a:effectLst/>
-                <a:latin typeface="Carlito"/>
-                <a:ea typeface="Arial" panose="020B0604020202020204" pitchFamily="34" charset="0"/>
-              </a:rPr>
-              <a:t> </a:t>
-            </a:r>
-            <a:endParaRPr lang="en-US" sz="1500" dirty="0">
-              <a:effectLst/>
-              <a:latin typeface="Arial" panose="020B0604020202020204" pitchFamily="34" charset="0"/>
-              <a:ea typeface="Arial" panose="020B0604020202020204" pitchFamily="34" charset="0"/>
-            </a:endParaRPr>
-          </a:p>
-          <a:p>
-            <a:pPr marL="0" marR="0" indent="0">
-              <a:spcBef>
-                <a:spcPts val="15"/>
-              </a:spcBef>
-              <a:spcAft>
-                <a:spcPts val="0"/>
-              </a:spcAft>
-              <a:buNone/>
-            </a:pPr>
-            <a:r>
-              <a:rPr lang="en-US" sz="1500" dirty="0">
-                <a:effectLst/>
-                <a:latin typeface="Carlito"/>
-                <a:ea typeface="Arial" panose="020B0604020202020204" pitchFamily="34" charset="0"/>
-              </a:rPr>
-              <a:t> </a:t>
-            </a:r>
-            <a:endParaRPr lang="en-US" sz="1500" dirty="0">
-              <a:effectLst/>
-              <a:latin typeface="Arial" panose="020B0604020202020204" pitchFamily="34" charset="0"/>
-              <a:ea typeface="Arial" panose="020B0604020202020204" pitchFamily="34" charset="0"/>
-            </a:endParaRPr>
-          </a:p>
-          <a:p>
-            <a:pPr marL="330200" marR="0" indent="0">
-              <a:spcBef>
-                <a:spcPts val="0"/>
-              </a:spcBef>
-              <a:spcAft>
-                <a:spcPts val="0"/>
-              </a:spcAft>
-              <a:buNone/>
-            </a:pPr>
-            <a:r>
-              <a:rPr lang="en-US" sz="1500" dirty="0" err="1">
-                <a:effectLst/>
-                <a:latin typeface="Carlito"/>
-                <a:ea typeface="Arial" panose="020B0604020202020204" pitchFamily="34" charset="0"/>
-              </a:rPr>
-              <a:t>Bhattacherjee</a:t>
-            </a:r>
-            <a:r>
-              <a:rPr lang="en-US" sz="1500" dirty="0">
-                <a:effectLst/>
-                <a:latin typeface="Carlito"/>
-                <a:ea typeface="Arial" panose="020B0604020202020204" pitchFamily="34" charset="0"/>
-              </a:rPr>
-              <a:t>, </a:t>
-            </a:r>
-            <a:r>
-              <a:rPr lang="en-US" sz="1500" dirty="0" err="1">
-                <a:effectLst/>
-                <a:latin typeface="Carlito"/>
-                <a:ea typeface="Arial" panose="020B0604020202020204" pitchFamily="34" charset="0"/>
-              </a:rPr>
-              <a:t>Anol</a:t>
-            </a:r>
-            <a:r>
-              <a:rPr lang="en-US" sz="1500" dirty="0">
-                <a:effectLst/>
-                <a:latin typeface="Carlito"/>
-                <a:ea typeface="Arial" panose="020B0604020202020204" pitchFamily="34" charset="0"/>
-              </a:rPr>
-              <a:t>. </a:t>
-            </a:r>
-            <a:r>
-              <a:rPr lang="en-US" sz="1500" i="1" dirty="0">
-                <a:effectLst/>
-                <a:latin typeface="Carlito"/>
-                <a:ea typeface="Arial" panose="020B0604020202020204" pitchFamily="34" charset="0"/>
-              </a:rPr>
-              <a:t>Social Science Research: Principles. </a:t>
-            </a:r>
-            <a:r>
-              <a:rPr lang="en-US" sz="1500" dirty="0">
-                <a:effectLst/>
-                <a:latin typeface="Carlito"/>
-                <a:ea typeface="Arial" panose="020B0604020202020204" pitchFamily="34" charset="0"/>
-              </a:rPr>
-              <a:t>Second ed.</a:t>
-            </a:r>
-            <a:r>
-              <a:rPr lang="en-US" sz="1500" i="1" dirty="0">
-                <a:effectLst/>
-                <a:latin typeface="Carlito"/>
-                <a:ea typeface="Arial" panose="020B0604020202020204" pitchFamily="34" charset="0"/>
-              </a:rPr>
-              <a:t>, Methods, and Practices.,</a:t>
-            </a:r>
-            <a:endParaRPr lang="en-US" sz="1500" dirty="0">
-              <a:effectLst/>
-              <a:latin typeface="Arial" panose="020B0604020202020204" pitchFamily="34" charset="0"/>
-              <a:ea typeface="Arial" panose="020B0604020202020204" pitchFamily="34" charset="0"/>
-            </a:endParaRPr>
-          </a:p>
-          <a:p>
-            <a:pPr marL="330200" marR="0" indent="0">
-              <a:spcBef>
-                <a:spcPts val="120"/>
-              </a:spcBef>
-              <a:spcAft>
-                <a:spcPts val="0"/>
-              </a:spcAft>
-              <a:buNone/>
-            </a:pPr>
-            <a:r>
-              <a:rPr lang="en-US" sz="1500" dirty="0">
-                <a:effectLst/>
-                <a:latin typeface="Carlito"/>
-                <a:ea typeface="Carlito"/>
-                <a:cs typeface="Carlito"/>
-              </a:rPr>
-              <a:t>University of South Florida</a:t>
-            </a:r>
-            <a:r>
-              <a:rPr lang="en-US" sz="1500" i="1" dirty="0">
-                <a:effectLst/>
-                <a:latin typeface="Carlito"/>
-                <a:ea typeface="Carlito"/>
-                <a:cs typeface="Carlito"/>
-              </a:rPr>
-              <a:t>, </a:t>
-            </a:r>
-            <a:r>
-              <a:rPr lang="en-US" sz="1500" dirty="0">
-                <a:effectLst/>
-                <a:latin typeface="Carlito"/>
-                <a:ea typeface="Carlito"/>
-                <a:cs typeface="Carlito"/>
-              </a:rPr>
-              <a:t>2012</a:t>
-            </a:r>
-          </a:p>
-          <a:p>
-            <a:pPr marL="0" indent="0">
-              <a:buNone/>
-            </a:pPr>
-            <a:endParaRPr lang="en-US" sz="1500" dirty="0"/>
+              <a:rPr lang="en-US" dirty="0"/>
+              <a:t>Full Report in MS Word and PDF formats</a:t>
+            </a:r>
+          </a:p>
+          <a:p>
+            <a:r>
+              <a:rPr lang="en-US" dirty="0"/>
+              <a:t>Data Source Descriptions in MS Excel, MS Word and PDF formats</a:t>
+            </a:r>
+          </a:p>
+          <a:p>
+            <a:r>
+              <a:rPr lang="en-US" dirty="0"/>
+              <a:t>Data Set Inputs: Full and 1000 records in CSV formats</a:t>
+            </a:r>
+          </a:p>
+          <a:p>
+            <a:r>
+              <a:rPr lang="en-US" dirty="0" err="1"/>
+              <a:t>Jupyter</a:t>
+            </a:r>
+            <a:r>
+              <a:rPr lang="en-US" dirty="0"/>
+              <a:t> Notebooks with Python code for Data Processing, Model Creation, Model Evaluations, Feature Importance</a:t>
+            </a:r>
+          </a:p>
+          <a:p>
+            <a:r>
+              <a:rPr lang="en-US" dirty="0"/>
+              <a:t>Git hub Repository -  </a:t>
+            </a:r>
+            <a:r>
+              <a:rPr lang="en-US" sz="2000" dirty="0"/>
+              <a:t>https://github.com/RusUsf/Integrative_Program_Project_Cohort_2022_MSBAIS</a:t>
+            </a:r>
           </a:p>
         </p:txBody>
       </p:sp>
     </p:spTree>
     <p:extLst>
       <p:ext uri="{BB962C8B-B14F-4D97-AF65-F5344CB8AC3E}">
-        <p14:creationId xmlns:p14="http://schemas.microsoft.com/office/powerpoint/2010/main" val="409527933"/>
+        <p14:creationId xmlns:p14="http://schemas.microsoft.com/office/powerpoint/2010/main" val="3937132846"/>
       </p:ext>
     </p:extLst>
   </p:cSld>
@@ -4836,7 +4379,7 @@
           <p:cNvPr id="2" name="Title 1">
             <a:extLst>
               <a:ext uri="{FF2B5EF4-FFF2-40B4-BE49-F238E27FC236}">
-                <a16:creationId xmlns:a16="http://schemas.microsoft.com/office/drawing/2014/main" id="{A23A39AE-9923-BFA6-597B-E7A1B8C86537}"/>
+                <a16:creationId xmlns:a16="http://schemas.microsoft.com/office/drawing/2014/main" id="{C0477F60-9E96-D773-3FF9-FC1E037FD582}"/>
               </a:ext>
             </a:extLst>
           </p:cNvPr>
@@ -4853,8 +4396,8 @@
           <a:lstStyle/>
           <a:p>
             <a:r>
-              <a:rPr lang="en-US" dirty="0"/>
-              <a:t>Git Hub Repository</a:t>
+              <a:rPr lang="en-US" b="1" dirty="0"/>
+              <a:t>References</a:t>
             </a:r>
           </a:p>
         </p:txBody>
@@ -4864,7 +4407,7 @@
           <p:cNvPr id="3" name="Content Placeholder 2">
             <a:extLst>
               <a:ext uri="{FF2B5EF4-FFF2-40B4-BE49-F238E27FC236}">
-                <a16:creationId xmlns:a16="http://schemas.microsoft.com/office/drawing/2014/main" id="{EE1A56D1-20C8-6FAD-B828-A881EC92B5C2}"/>
+                <a16:creationId xmlns:a16="http://schemas.microsoft.com/office/drawing/2014/main" id="{372AE2AC-E2B0-06CB-4F06-EE7CC4B545AF}"/>
               </a:ext>
             </a:extLst>
           </p:cNvPr>
@@ -4877,53 +4420,514 @@
         </p:nvSpPr>
         <p:spPr/>
         <p:txBody>
-          <a:bodyPr/>
-          <a:lstStyle/>
-          <a:p>
-            <a:r>
-              <a:rPr lang="en-US" dirty="0"/>
-              <a:t>Full Report in MS Word and PDF formats</a:t>
-            </a:r>
-          </a:p>
-          <a:p>
-            <a:r>
-              <a:rPr lang="en-US" dirty="0"/>
-              <a:t>Data Source Descriptions in MS Excel, MS Word and PDF formats</a:t>
-            </a:r>
-          </a:p>
-          <a:p>
-            <a:r>
-              <a:rPr lang="en-US" dirty="0"/>
-              <a:t>Data Set Inputs: Full and 1000 records in CSV formats</a:t>
-            </a:r>
-          </a:p>
-          <a:p>
-            <a:r>
-              <a:rPr lang="en-US" dirty="0" err="1"/>
-              <a:t>Jupyter</a:t>
-            </a:r>
-            <a:r>
-              <a:rPr lang="en-US" dirty="0"/>
-              <a:t> Notebooks with Python code for Data Processing, Model Creation, Model Evaluations, Feature Importance</a:t>
-            </a:r>
-          </a:p>
-          <a:p>
-            <a:r>
-              <a:rPr lang="en-US" dirty="0"/>
-              <a:t>Git </a:t>
-            </a:r>
-            <a:r>
-              <a:rPr lang="en-US"/>
-              <a:t>hub Repository -  </a:t>
-            </a:r>
-            <a:endParaRPr lang="en-US" dirty="0"/>
+          <a:bodyPr>
+            <a:normAutofit/>
+          </a:bodyPr>
+          <a:lstStyle/>
+          <a:p>
+            <a:pPr marL="0" marR="0" indent="0">
+              <a:spcBef>
+                <a:spcPts val="0"/>
+              </a:spcBef>
+              <a:spcAft>
+                <a:spcPts val="0"/>
+              </a:spcAft>
+              <a:buNone/>
+            </a:pPr>
+            <a:r>
+              <a:rPr lang="en-US" sz="1500" dirty="0">
+                <a:effectLst/>
+                <a:latin typeface="Carlito"/>
+                <a:ea typeface="Arial" panose="020B0604020202020204" pitchFamily="34" charset="0"/>
+              </a:rPr>
+              <a:t> </a:t>
+            </a:r>
+            <a:endParaRPr lang="en-US" sz="1500" dirty="0">
+              <a:latin typeface="Arial" panose="020B0604020202020204" pitchFamily="34" charset="0"/>
+              <a:ea typeface="Arial" panose="020B0604020202020204" pitchFamily="34" charset="0"/>
+            </a:endParaRPr>
+          </a:p>
+          <a:p>
+            <a:pPr marL="0" marR="0" indent="0">
+              <a:spcBef>
+                <a:spcPts val="0"/>
+              </a:spcBef>
+              <a:spcAft>
+                <a:spcPts val="0"/>
+              </a:spcAft>
+              <a:buNone/>
+            </a:pPr>
+            <a:r>
+              <a:rPr lang="en-US" sz="1500" dirty="0">
+                <a:latin typeface="Arial" panose="020B0604020202020204" pitchFamily="34" charset="0"/>
+                <a:ea typeface="Arial" panose="020B0604020202020204" pitchFamily="34" charset="0"/>
+              </a:rPr>
+              <a:t>      </a:t>
+            </a:r>
+            <a:r>
+              <a:rPr lang="en-US" sz="1500" dirty="0" err="1">
+                <a:effectLst/>
+                <a:latin typeface="Carlito"/>
+                <a:ea typeface="Arial" panose="020B0604020202020204" pitchFamily="34" charset="0"/>
+              </a:rPr>
+              <a:t>Silberschatz</a:t>
+            </a:r>
+            <a:r>
+              <a:rPr lang="en-US" sz="1500" dirty="0">
+                <a:effectLst/>
+                <a:latin typeface="Carlito"/>
+                <a:ea typeface="Arial" panose="020B0604020202020204" pitchFamily="34" charset="0"/>
+              </a:rPr>
+              <a:t>, Abraham et al., </a:t>
+            </a:r>
+            <a:r>
+              <a:rPr lang="en-US" sz="1500" i="1" dirty="0">
+                <a:effectLst/>
+                <a:latin typeface="Carlito"/>
+                <a:ea typeface="Arial" panose="020B0604020202020204" pitchFamily="34" charset="0"/>
+              </a:rPr>
+              <a:t>Database Systems Concepts. </a:t>
+            </a:r>
+            <a:r>
+              <a:rPr lang="en-US" sz="1500" dirty="0">
+                <a:effectLst/>
+                <a:latin typeface="Carlito"/>
+                <a:ea typeface="Arial" panose="020B0604020202020204" pitchFamily="34" charset="0"/>
+              </a:rPr>
+              <a:t>Seventh Ed., McGraw-Hill Education., 2020</a:t>
+            </a:r>
+            <a:endParaRPr lang="en-US" sz="1500" dirty="0">
+              <a:effectLst/>
+              <a:latin typeface="Arial" panose="020B0604020202020204" pitchFamily="34" charset="0"/>
+              <a:ea typeface="Arial" panose="020B0604020202020204" pitchFamily="34" charset="0"/>
+            </a:endParaRPr>
+          </a:p>
+          <a:p>
+            <a:pPr marL="0" marR="0" indent="0">
+              <a:spcBef>
+                <a:spcPts val="40"/>
+              </a:spcBef>
+              <a:spcAft>
+                <a:spcPts val="0"/>
+              </a:spcAft>
+              <a:buNone/>
+            </a:pPr>
+            <a:r>
+              <a:rPr lang="en-US" sz="1500" dirty="0">
+                <a:effectLst/>
+                <a:latin typeface="Carlito"/>
+                <a:ea typeface="Arial" panose="020B0604020202020204" pitchFamily="34" charset="0"/>
+              </a:rPr>
+              <a:t> </a:t>
+            </a:r>
+            <a:endParaRPr lang="en-US" sz="1500" dirty="0">
+              <a:effectLst/>
+              <a:latin typeface="Arial" panose="020B0604020202020204" pitchFamily="34" charset="0"/>
+              <a:ea typeface="Arial" panose="020B0604020202020204" pitchFamily="34" charset="0"/>
+            </a:endParaRPr>
+          </a:p>
+          <a:p>
+            <a:pPr marL="330200" marR="0" indent="0">
+              <a:spcBef>
+                <a:spcPts val="0"/>
+              </a:spcBef>
+              <a:spcAft>
+                <a:spcPts val="0"/>
+              </a:spcAft>
+              <a:buNone/>
+            </a:pPr>
+            <a:endParaRPr lang="en-US" sz="1500" dirty="0">
+              <a:effectLst/>
+              <a:latin typeface="Carlito"/>
+              <a:ea typeface="Arial" panose="020B0604020202020204" pitchFamily="34" charset="0"/>
+            </a:endParaRPr>
+          </a:p>
+          <a:p>
+            <a:pPr marL="330200" marR="0" indent="0">
+              <a:spcBef>
+                <a:spcPts val="0"/>
+              </a:spcBef>
+              <a:spcAft>
+                <a:spcPts val="0"/>
+              </a:spcAft>
+              <a:buNone/>
+            </a:pPr>
+            <a:r>
+              <a:rPr lang="en-US" sz="1500" dirty="0">
+                <a:effectLst/>
+                <a:latin typeface="Carlito"/>
+                <a:ea typeface="Arial" panose="020B0604020202020204" pitchFamily="34" charset="0"/>
+              </a:rPr>
+              <a:t>Harrison, Matt. </a:t>
+            </a:r>
+            <a:r>
+              <a:rPr lang="en-US" sz="1500" i="1" dirty="0">
+                <a:effectLst/>
+                <a:latin typeface="Carlito"/>
+                <a:ea typeface="Arial" panose="020B0604020202020204" pitchFamily="34" charset="0"/>
+              </a:rPr>
+              <a:t>Machine Learning Pocket Reference Working With Structured Data in Python</a:t>
+            </a:r>
+            <a:r>
+              <a:rPr lang="en-US" sz="1500" dirty="0">
+                <a:effectLst/>
+                <a:latin typeface="Carlito"/>
+                <a:ea typeface="Arial" panose="020B0604020202020204" pitchFamily="34" charset="0"/>
+              </a:rPr>
+              <a:t>,</a:t>
+            </a:r>
+            <a:endParaRPr lang="en-US" sz="1500" dirty="0">
+              <a:effectLst/>
+              <a:latin typeface="Arial" panose="020B0604020202020204" pitchFamily="34" charset="0"/>
+              <a:ea typeface="Arial" panose="020B0604020202020204" pitchFamily="34" charset="0"/>
+            </a:endParaRPr>
+          </a:p>
+          <a:p>
+            <a:pPr marL="330200" marR="0" indent="0">
+              <a:spcBef>
+                <a:spcPts val="110"/>
+              </a:spcBef>
+              <a:spcAft>
+                <a:spcPts val="0"/>
+              </a:spcAft>
+              <a:buNone/>
+            </a:pPr>
+            <a:r>
+              <a:rPr lang="en-US" sz="1500" dirty="0" err="1">
+                <a:effectLst/>
+                <a:latin typeface="Carlito"/>
+                <a:ea typeface="Carlito"/>
+                <a:cs typeface="Carlito"/>
+              </a:rPr>
+              <a:t>O’Reily</a:t>
+            </a:r>
+            <a:r>
+              <a:rPr lang="en-US" sz="1500" dirty="0">
+                <a:effectLst/>
+                <a:latin typeface="Carlito"/>
+                <a:ea typeface="Carlito"/>
+                <a:cs typeface="Carlito"/>
+              </a:rPr>
+              <a:t> Media, Inc., 2019</a:t>
+            </a:r>
+          </a:p>
+          <a:p>
+            <a:pPr marL="0" marR="0" indent="0">
+              <a:spcBef>
+                <a:spcPts val="0"/>
+              </a:spcBef>
+              <a:spcAft>
+                <a:spcPts val="0"/>
+              </a:spcAft>
+              <a:buNone/>
+            </a:pPr>
+            <a:r>
+              <a:rPr lang="en-US" sz="1500" dirty="0">
+                <a:effectLst/>
+                <a:latin typeface="Carlito"/>
+                <a:ea typeface="Arial" panose="020B0604020202020204" pitchFamily="34" charset="0"/>
+              </a:rPr>
+              <a:t> </a:t>
+            </a:r>
+            <a:endParaRPr lang="en-US" sz="1500" dirty="0">
+              <a:effectLst/>
+              <a:latin typeface="Arial" panose="020B0604020202020204" pitchFamily="34" charset="0"/>
+              <a:ea typeface="Arial" panose="020B0604020202020204" pitchFamily="34" charset="0"/>
+            </a:endParaRPr>
+          </a:p>
+          <a:p>
+            <a:pPr marL="0" marR="0" indent="0">
+              <a:spcBef>
+                <a:spcPts val="0"/>
+              </a:spcBef>
+              <a:spcAft>
+                <a:spcPts val="0"/>
+              </a:spcAft>
+              <a:buNone/>
+            </a:pPr>
+            <a:r>
+              <a:rPr lang="en-US" sz="1500" dirty="0">
+                <a:effectLst/>
+                <a:latin typeface="Carlito"/>
+                <a:ea typeface="Arial" panose="020B0604020202020204" pitchFamily="34" charset="0"/>
+              </a:rPr>
+              <a:t> </a:t>
+            </a:r>
+            <a:endParaRPr lang="en-US" sz="1500" dirty="0">
+              <a:effectLst/>
+              <a:latin typeface="Arial" panose="020B0604020202020204" pitchFamily="34" charset="0"/>
+              <a:ea typeface="Arial" panose="020B0604020202020204" pitchFamily="34" charset="0"/>
+            </a:endParaRPr>
+          </a:p>
+          <a:p>
+            <a:pPr marL="330200" marR="727075" indent="0">
+              <a:lnSpc>
+                <a:spcPct val="107000"/>
+              </a:lnSpc>
+              <a:spcBef>
+                <a:spcPts val="0"/>
+              </a:spcBef>
+              <a:spcAft>
+                <a:spcPts val="0"/>
+              </a:spcAft>
+              <a:buNone/>
+            </a:pPr>
+            <a:r>
+              <a:rPr lang="en-US" sz="1500" dirty="0" err="1">
+                <a:effectLst/>
+                <a:latin typeface="Carlito"/>
+                <a:ea typeface="Arial" panose="020B0604020202020204" pitchFamily="34" charset="0"/>
+              </a:rPr>
+              <a:t>Geron</a:t>
+            </a:r>
+            <a:r>
+              <a:rPr lang="en-US" sz="1500" dirty="0">
+                <a:effectLst/>
+                <a:latin typeface="Carlito"/>
+                <a:ea typeface="Arial" panose="020B0604020202020204" pitchFamily="34" charset="0"/>
+              </a:rPr>
+              <a:t>, </a:t>
+            </a:r>
+            <a:r>
+              <a:rPr lang="en-US" sz="1500" dirty="0" err="1">
+                <a:effectLst/>
+                <a:latin typeface="Carlito"/>
+                <a:ea typeface="Arial" panose="020B0604020202020204" pitchFamily="34" charset="0"/>
+              </a:rPr>
+              <a:t>Aurelien</a:t>
+            </a:r>
+            <a:r>
+              <a:rPr lang="en-US" sz="1500" dirty="0">
+                <a:effectLst/>
+                <a:latin typeface="Carlito"/>
+                <a:ea typeface="Arial" panose="020B0604020202020204" pitchFamily="34" charset="0"/>
+              </a:rPr>
+              <a:t>. </a:t>
+            </a:r>
+            <a:r>
+              <a:rPr lang="en-US" sz="1500" i="1" dirty="0">
+                <a:effectLst/>
+                <a:latin typeface="Carlito"/>
+                <a:ea typeface="Arial" panose="020B0604020202020204" pitchFamily="34" charset="0"/>
+              </a:rPr>
+              <a:t>Hands-on Machine Learning with Scikit-Learn, </a:t>
+            </a:r>
+            <a:r>
+              <a:rPr lang="en-US" sz="1500" i="1" dirty="0" err="1">
+                <a:effectLst/>
+                <a:latin typeface="Carlito"/>
+                <a:ea typeface="Arial" panose="020B0604020202020204" pitchFamily="34" charset="0"/>
+              </a:rPr>
+              <a:t>Keras</a:t>
+            </a:r>
+            <a:r>
+              <a:rPr lang="en-US" sz="1500" i="1" dirty="0">
+                <a:effectLst/>
+                <a:latin typeface="Carlito"/>
+                <a:ea typeface="Arial" panose="020B0604020202020204" pitchFamily="34" charset="0"/>
+              </a:rPr>
+              <a:t> &amp; TensorFlow Concepts, Tools, and Techniques to Build Intelligent Systems. </a:t>
+            </a:r>
+            <a:r>
+              <a:rPr lang="en-US" sz="1500" dirty="0">
+                <a:effectLst/>
+                <a:latin typeface="Carlito"/>
+                <a:ea typeface="Arial" panose="020B0604020202020204" pitchFamily="34" charset="0"/>
+              </a:rPr>
+              <a:t>Third ed., </a:t>
+            </a:r>
+            <a:r>
+              <a:rPr lang="en-US" sz="1500" dirty="0" err="1">
+                <a:effectLst/>
+                <a:latin typeface="Carlito"/>
+                <a:ea typeface="Arial" panose="020B0604020202020204" pitchFamily="34" charset="0"/>
+              </a:rPr>
+              <a:t>O’Reily</a:t>
+            </a:r>
+            <a:r>
+              <a:rPr lang="en-US" sz="1500" dirty="0">
+                <a:effectLst/>
+                <a:latin typeface="Carlito"/>
+                <a:ea typeface="Arial" panose="020B0604020202020204" pitchFamily="34" charset="0"/>
+              </a:rPr>
+              <a:t> Media, Inc., 2022</a:t>
+            </a:r>
+            <a:endParaRPr lang="en-US" sz="1500" dirty="0">
+              <a:effectLst/>
+              <a:latin typeface="Arial" panose="020B0604020202020204" pitchFamily="34" charset="0"/>
+              <a:ea typeface="Arial" panose="020B0604020202020204" pitchFamily="34" charset="0"/>
+            </a:endParaRPr>
+          </a:p>
+          <a:p>
+            <a:pPr marL="0" marR="0" indent="0">
+              <a:spcBef>
+                <a:spcPts val="0"/>
+              </a:spcBef>
+              <a:spcAft>
+                <a:spcPts val="0"/>
+              </a:spcAft>
+              <a:buNone/>
+            </a:pPr>
+            <a:r>
+              <a:rPr lang="en-US" sz="1500" dirty="0">
+                <a:effectLst/>
+                <a:latin typeface="Carlito"/>
+                <a:ea typeface="Arial" panose="020B0604020202020204" pitchFamily="34" charset="0"/>
+              </a:rPr>
+              <a:t> </a:t>
+            </a:r>
+            <a:endParaRPr lang="en-US" sz="1500" dirty="0">
+              <a:effectLst/>
+              <a:latin typeface="Arial" panose="020B0604020202020204" pitchFamily="34" charset="0"/>
+              <a:ea typeface="Arial" panose="020B0604020202020204" pitchFamily="34" charset="0"/>
+            </a:endParaRPr>
+          </a:p>
+          <a:p>
+            <a:pPr marL="0" marR="0" indent="0">
+              <a:spcBef>
+                <a:spcPts val="15"/>
+              </a:spcBef>
+              <a:spcAft>
+                <a:spcPts val="0"/>
+              </a:spcAft>
+              <a:buNone/>
+            </a:pPr>
+            <a:r>
+              <a:rPr lang="en-US" sz="1500" dirty="0">
+                <a:effectLst/>
+                <a:latin typeface="Carlito"/>
+                <a:ea typeface="Arial" panose="020B0604020202020204" pitchFamily="34" charset="0"/>
+              </a:rPr>
+              <a:t> </a:t>
+            </a:r>
+            <a:endParaRPr lang="en-US" sz="1500" dirty="0">
+              <a:effectLst/>
+              <a:latin typeface="Arial" panose="020B0604020202020204" pitchFamily="34" charset="0"/>
+              <a:ea typeface="Arial" panose="020B0604020202020204" pitchFamily="34" charset="0"/>
+            </a:endParaRPr>
+          </a:p>
+          <a:p>
+            <a:pPr marL="330200" marR="0" indent="0">
+              <a:spcBef>
+                <a:spcPts val="0"/>
+              </a:spcBef>
+              <a:spcAft>
+                <a:spcPts val="0"/>
+              </a:spcAft>
+              <a:buNone/>
+            </a:pPr>
+            <a:r>
+              <a:rPr lang="en-US" sz="1500" dirty="0" err="1">
+                <a:effectLst/>
+                <a:latin typeface="Carlito"/>
+                <a:ea typeface="Arial" panose="020B0604020202020204" pitchFamily="34" charset="0"/>
+              </a:rPr>
+              <a:t>Bhattacherjee</a:t>
+            </a:r>
+            <a:r>
+              <a:rPr lang="en-US" sz="1500" dirty="0">
+                <a:effectLst/>
+                <a:latin typeface="Carlito"/>
+                <a:ea typeface="Arial" panose="020B0604020202020204" pitchFamily="34" charset="0"/>
+              </a:rPr>
+              <a:t>, </a:t>
+            </a:r>
+            <a:r>
+              <a:rPr lang="en-US" sz="1500" dirty="0" err="1">
+                <a:effectLst/>
+                <a:latin typeface="Carlito"/>
+                <a:ea typeface="Arial" panose="020B0604020202020204" pitchFamily="34" charset="0"/>
+              </a:rPr>
+              <a:t>Anol</a:t>
+            </a:r>
+            <a:r>
+              <a:rPr lang="en-US" sz="1500" dirty="0">
+                <a:effectLst/>
+                <a:latin typeface="Carlito"/>
+                <a:ea typeface="Arial" panose="020B0604020202020204" pitchFamily="34" charset="0"/>
+              </a:rPr>
+              <a:t>. </a:t>
+            </a:r>
+            <a:r>
+              <a:rPr lang="en-US" sz="1500" i="1" dirty="0">
+                <a:effectLst/>
+                <a:latin typeface="Carlito"/>
+                <a:ea typeface="Arial" panose="020B0604020202020204" pitchFamily="34" charset="0"/>
+              </a:rPr>
+              <a:t>Social Science Research: Principles. </a:t>
+            </a:r>
+            <a:r>
+              <a:rPr lang="en-US" sz="1500" dirty="0">
+                <a:effectLst/>
+                <a:latin typeface="Carlito"/>
+                <a:ea typeface="Arial" panose="020B0604020202020204" pitchFamily="34" charset="0"/>
+              </a:rPr>
+              <a:t>Second ed.</a:t>
+            </a:r>
+            <a:r>
+              <a:rPr lang="en-US" sz="1500" i="1" dirty="0">
+                <a:effectLst/>
+                <a:latin typeface="Carlito"/>
+                <a:ea typeface="Arial" panose="020B0604020202020204" pitchFamily="34" charset="0"/>
+              </a:rPr>
+              <a:t>, Methods, and Practices.,</a:t>
+            </a:r>
+            <a:endParaRPr lang="en-US" sz="1500" dirty="0">
+              <a:effectLst/>
+              <a:latin typeface="Arial" panose="020B0604020202020204" pitchFamily="34" charset="0"/>
+              <a:ea typeface="Arial" panose="020B0604020202020204" pitchFamily="34" charset="0"/>
+            </a:endParaRPr>
+          </a:p>
+          <a:p>
+            <a:pPr marL="330200" marR="0" indent="0">
+              <a:spcBef>
+                <a:spcPts val="120"/>
+              </a:spcBef>
+              <a:spcAft>
+                <a:spcPts val="0"/>
+              </a:spcAft>
+              <a:buNone/>
+            </a:pPr>
+            <a:r>
+              <a:rPr lang="en-US" sz="1500" dirty="0">
+                <a:effectLst/>
+                <a:latin typeface="Carlito"/>
+                <a:ea typeface="Carlito"/>
+                <a:cs typeface="Carlito"/>
+              </a:rPr>
+              <a:t>University of South Florida</a:t>
+            </a:r>
+            <a:r>
+              <a:rPr lang="en-US" sz="1500" i="1" dirty="0">
+                <a:effectLst/>
+                <a:latin typeface="Carlito"/>
+                <a:ea typeface="Carlito"/>
+                <a:cs typeface="Carlito"/>
+              </a:rPr>
+              <a:t>, </a:t>
+            </a:r>
+            <a:r>
+              <a:rPr lang="en-US" sz="1500" dirty="0">
+                <a:effectLst/>
+                <a:latin typeface="Carlito"/>
+                <a:ea typeface="Carlito"/>
+                <a:cs typeface="Carlito"/>
+              </a:rPr>
+              <a:t>2012</a:t>
+            </a:r>
+          </a:p>
+          <a:p>
+            <a:pPr marL="0" indent="0">
+              <a:buNone/>
+            </a:pPr>
+            <a:endParaRPr lang="en-US" sz="1500" dirty="0"/>
           </a:p>
         </p:txBody>
       </p:sp>
     </p:spTree>
     <p:extLst>
       <p:ext uri="{BB962C8B-B14F-4D97-AF65-F5344CB8AC3E}">
-        <p14:creationId xmlns:p14="http://schemas.microsoft.com/office/powerpoint/2010/main" val="3937132846"/>
+        <p14:creationId xmlns:p14="http://schemas.microsoft.com/office/powerpoint/2010/main" val="409527933"/>
       </p:ext>
     </p:extLst>
   </p:cSld>
